--- a/powerpoint-class/assets/Slide Template - SeaGroup.pptx
+++ b/powerpoint-class/assets/Slide Template - SeaGroup.pptx
@@ -267,7 +267,7 @@
       <p15:notesGuideLst xmlns:p15="http://schemas.microsoft.com/office/powerpoint/2012/main"/>
     </p:ext>
     <p:ext uri="http://customooxmlschemas.google.com/">
-      <go:slidesCustomData xmlns="" xmlns:mc="http://schemas.openxmlformats.org/markup-compatibility/2006" xmlns:mv="urn:schemas-microsoft-com:mac:vml" xmlns:c="http://schemas.openxmlformats.org/drawingml/2006/chart" xmlns:dgm="http://schemas.openxmlformats.org/drawingml/2006/diagram" xmlns:o="urn:schemas-microsoft-com:office:office" xmlns:v="urn:schemas-microsoft-com:vml" xmlns:pvml="urn:schemas-microsoft-com:office:powerpoint" xmlns:com="http://schemas.openxmlformats.org/drawingml/2006/compatibility" xmlns:p14="http://schemas.microsoft.com/office/powerpoint/2010/main" xmlns:p15="http://schemas.microsoft.com/office/powerpoint/2012/main" xmlns:ahyp="http://schemas.microsoft.com/office/drawing/2018/hyperlinkcolor" xmlns:go="http://customooxmlschemas.google.com/" r:id="rId39" roundtripDataSignature="AMtx7mhu8n7NYh91WQ1dG2QZIgJrhs4qig=="/>
+      <go:slidesCustomData xmlns:go="http://customooxmlschemas.google.com/" xmlns:ahyp="http://schemas.microsoft.com/office/drawing/2018/hyperlinkcolor" xmlns:p15="http://schemas.microsoft.com/office/powerpoint/2012/main" xmlns:p14="http://schemas.microsoft.com/office/powerpoint/2010/main" xmlns:com="http://schemas.openxmlformats.org/drawingml/2006/compatibility" xmlns:pvml="urn:schemas-microsoft-com:office:powerpoint" xmlns:v="urn:schemas-microsoft-com:vml" xmlns:o="urn:schemas-microsoft-com:office:office" xmlns:dgm="http://schemas.openxmlformats.org/drawingml/2006/diagram" xmlns:c="http://schemas.openxmlformats.org/drawingml/2006/chart" xmlns:mv="urn:schemas-microsoft-com:mac:vml" xmlns:mc="http://schemas.openxmlformats.org/markup-compatibility/2006" xmlns="" r:id="rId39" roundtripDataSignature="AMtx7mhu8n7NYh91WQ1dG2QZIgJrhs4qig=="/>
     </p:ext>
   </p:extLst>
 </p:presentation>
@@ -389,7 +389,7 @@
           <a:p>
             <a:fld id="{2E954B0D-09A9-498C-8AE2-55C7F0A97E30}" type="datetimeFigureOut">
               <a:rPr lang="en-US" smtClean="0"/>
-              <a:t>5/16/2023</a:t>
+              <a:t>05-Dec-23</a:t>
             </a:fld>
             <a:endParaRPr lang="en-US"/>
           </a:p>
@@ -1649,7 +1649,7 @@
           <p:nvPr userDrawn="1">
             <p:extLst>
               <p:ext uri="{D42A27DB-BD31-4B8C-83A1-F6EECF244321}">
-                <p14:modId xmlns:p14="http://schemas.microsoft.com/office/powerpoint/2010/main" val="3441920323"/>
+                <p14:modId xmlns:p14="http://schemas.microsoft.com/office/powerpoint/2010/main" val="2355144979"/>
               </p:ext>
             </p:extLst>
           </p:nvPr>
@@ -2702,7 +2702,7 @@
                             <a:schemeClr val="dk1"/>
                           </a:solidFill>
                         </a:rPr>
-                        <a:t>2022 Performance Grade</a:t>
+                        <a:t>2023 Performance Grade</a:t>
                       </a:r>
                       <a:endParaRPr sz="700" b="1" u="none" strike="noStrike" cap="none" dirty="0"/>
                     </a:p>
@@ -2979,14 +2979,14 @@
                         <a:buNone/>
                       </a:pPr>
                       <a:r>
-                        <a:rPr lang="en" sz="700" b="1">
+                        <a:rPr lang="en" sz="700" b="1" dirty="0">
                           <a:solidFill>
                             <a:schemeClr val="dk1"/>
                           </a:solidFill>
                         </a:rPr>
-                        <a:t>2023 Long-term Potential</a:t>
+                        <a:t>2024 Long-term Potential</a:t>
                       </a:r>
-                      <a:endParaRPr sz="700" b="1" u="none" strike="noStrike" cap="none"/>
+                      <a:endParaRPr sz="700" b="1" u="none" strike="noStrike" cap="none" dirty="0"/>
                     </a:p>
                   </a:txBody>
                   <a:tcPr marL="51431" marR="51431" marT="20250" marB="20250" anchor="ctr">
@@ -3196,7 +3196,7 @@
           <p:nvPr userDrawn="1">
             <p:extLst>
               <p:ext uri="{D42A27DB-BD31-4B8C-83A1-F6EECF244321}">
-                <p14:modId xmlns:p14="http://schemas.microsoft.com/office/powerpoint/2010/main" val="3002661184"/>
+                <p14:modId xmlns:p14="http://schemas.microsoft.com/office/powerpoint/2010/main" val="178147140"/>
               </p:ext>
             </p:extLst>
           </p:nvPr>
@@ -3588,7 +3588,7 @@
                           <a:cs typeface="Arial"/>
                           <a:sym typeface="Arial"/>
                         </a:rPr>
-                        <a:t>202</a:t>
+                        <a:t>2024</a:t>
                       </a:r>
                       <a:r>
                         <a:rPr lang="en" sz="700" b="1" dirty="0">
@@ -3596,7 +3596,7 @@
                             <a:srgbClr val="000000"/>
                           </a:solidFill>
                         </a:rPr>
-                        <a:t>3 </a:t>
+                        <a:t> </a:t>
                       </a:r>
                       <a:r>
                         <a:rPr lang="en" sz="700" b="1" i="0" u="none" strike="noStrike" cap="none" dirty="0">
@@ -4244,7 +4244,7 @@
           <p:nvPr userDrawn="1">
             <p:extLst>
               <p:ext uri="{D42A27DB-BD31-4B8C-83A1-F6EECF244321}">
-                <p14:modId xmlns:p14="http://schemas.microsoft.com/office/powerpoint/2010/main" val="3883649605"/>
+                <p14:modId xmlns:p14="http://schemas.microsoft.com/office/powerpoint/2010/main" val="3419357454"/>
               </p:ext>
             </p:extLst>
           </p:nvPr>
@@ -4789,7 +4789,7 @@
                       </a:pPr>
                       <a:r>
                         <a:rPr lang="en" sz="700" b="1" dirty="0"/>
-                        <a:t>Development Plan 2023</a:t>
+                        <a:t>Development Plan 2024</a:t>
                       </a:r>
                       <a:endParaRPr sz="700" u="none" strike="noStrike" cap="none" dirty="0"/>
                     </a:p>
@@ -7539,14 +7539,12 @@
 </file>
 
 <file path=customXml/item1.xml><?xml version="1.0" encoding="utf-8"?>
-<p:properties xmlns:p="http://schemas.microsoft.com/office/2006/metadata/properties" xmlns:xsi="http://www.w3.org/2001/XMLSchema-instance" xmlns:pc="http://schemas.microsoft.com/office/infopath/2007/PartnerControls">
-  <documentManagement>
-    <TaxCatchAll xmlns="417acb7c-4eeb-4096-8f1f-db2066474bff" xsi:nil="true"/>
-    <lcf76f155ced4ddcb4097134ff3c332f xmlns="49e69a8e-3a37-4a7e-a847-325e712e4abd">
-      <Terms xmlns="http://schemas.microsoft.com/office/infopath/2007/PartnerControls"/>
-    </lcf76f155ced4ddcb4097134ff3c332f>
-  </documentManagement>
-</p:properties>
+<?mso-contentType ?>
+<FormTemplates xmlns="http://schemas.microsoft.com/sharepoint/v3/contenttype/forms">
+  <Display>DocumentLibraryForm</Display>
+  <Edit>DocumentLibraryForm</Edit>
+  <New>DocumentLibraryForm</New>
+</FormTemplates>
 </file>
 
 <file path=customXml/item2.xml><?xml version="1.0" encoding="utf-8"?>
@@ -7775,21 +7773,20 @@
 </file>
 
 <file path=customXml/item3.xml><?xml version="1.0" encoding="utf-8"?>
-<?mso-contentType ?>
-<FormTemplates xmlns="http://schemas.microsoft.com/sharepoint/v3/contenttype/forms">
-  <Display>DocumentLibraryForm</Display>
-  <Edit>DocumentLibraryForm</Edit>
-  <New>DocumentLibraryForm</New>
-</FormTemplates>
+<p:properties xmlns:p="http://schemas.microsoft.com/office/2006/metadata/properties" xmlns:xsi="http://www.w3.org/2001/XMLSchema-instance" xmlns:pc="http://schemas.microsoft.com/office/infopath/2007/PartnerControls">
+  <documentManagement>
+    <TaxCatchAll xmlns="417acb7c-4eeb-4096-8f1f-db2066474bff" xsi:nil="true"/>
+    <lcf76f155ced4ddcb4097134ff3c332f xmlns="49e69a8e-3a37-4a7e-a847-325e712e4abd">
+      <Terms xmlns="http://schemas.microsoft.com/office/infopath/2007/PartnerControls"/>
+    </lcf76f155ced4ddcb4097134ff3c332f>
+  </documentManagement>
+</p:properties>
 </file>
 
 <file path=customXml/itemProps1.xml><?xml version="1.0" encoding="utf-8"?>
-<ds:datastoreItem xmlns:ds="http://schemas.openxmlformats.org/officeDocument/2006/customXml" ds:itemID="{94EEB491-5094-4427-8E17-37F6A6EE2EC0}">
+<ds:datastoreItem xmlns:ds="http://schemas.openxmlformats.org/officeDocument/2006/customXml" ds:itemID="{80DD9542-80DE-4BA2-BDD6-E0D59BFA6E98}">
   <ds:schemaRefs>
-    <ds:schemaRef ds:uri="417acb7c-4eeb-4096-8f1f-db2066474bff"/>
-    <ds:schemaRef ds:uri="49e69a8e-3a37-4a7e-a847-325e712e4abd"/>
-    <ds:schemaRef ds:uri="http://schemas.microsoft.com/office/2006/metadata/properties"/>
-    <ds:schemaRef ds:uri="http://schemas.microsoft.com/office/infopath/2007/PartnerControls"/>
+    <ds:schemaRef ds:uri="http://schemas.microsoft.com/sharepoint/v3/contenttype/forms"/>
   </ds:schemaRefs>
 </ds:datastoreItem>
 </file>
@@ -7814,9 +7811,12 @@
 </file>
 
 <file path=customXml/itemProps3.xml><?xml version="1.0" encoding="utf-8"?>
-<ds:datastoreItem xmlns:ds="http://schemas.openxmlformats.org/officeDocument/2006/customXml" ds:itemID="{80DD9542-80DE-4BA2-BDD6-E0D59BFA6E98}">
+<ds:datastoreItem xmlns:ds="http://schemas.openxmlformats.org/officeDocument/2006/customXml" ds:itemID="{94EEB491-5094-4427-8E17-37F6A6EE2EC0}">
   <ds:schemaRefs>
-    <ds:schemaRef ds:uri="http://schemas.microsoft.com/sharepoint/v3/contenttype/forms"/>
+    <ds:schemaRef ds:uri="417acb7c-4eeb-4096-8f1f-db2066474bff"/>
+    <ds:schemaRef ds:uri="49e69a8e-3a37-4a7e-a847-325e712e4abd"/>
+    <ds:schemaRef ds:uri="http://schemas.microsoft.com/office/2006/metadata/properties"/>
+    <ds:schemaRef ds:uri="http://schemas.microsoft.com/office/infopath/2007/PartnerControls"/>
   </ds:schemaRefs>
 </ds:datastoreItem>
 </file>